--- a/diploma_documents/Презентация ВКР.pptx
+++ b/diploma_documents/Презентация ВКР.pptx
@@ -117,7 +117,7 @@
   </p:defaultTextStyle>
   <p:extLst>
     <p:ext uri="{EFAFB233-063F-42B5-8137-9DF3F51BA10A}">
-      <p15:sldGuideLst xmlns="" xmlns:p15="http://schemas.microsoft.com/office/powerpoint/2012/main">
+      <p15:sldGuideLst xmlns:p15="http://schemas.microsoft.com/office/powerpoint/2012/main" xmlns="">
         <p15:guide id="1" orient="horz" pos="1620">
           <p15:clr>
             <a:srgbClr val="A4A3A4"/>
@@ -216,7 +216,7 @@
           <a:p>
             <a:fld id="{BD71BDCD-EBE6-4678-8413-13BFAA387E1D}" type="datetimeFigureOut">
               <a:rPr lang="ru-RU" smtClean="0"/>
-              <a:t>29.05.2025</a:t>
+              <a:t>30.05.2025</a:t>
             </a:fld>
             <a:endParaRPr lang="ru-RU"/>
           </a:p>
@@ -825,7 +825,7 @@
           <a:p>
             <a:fld id="{B4C71EC6-210F-42DE-9C53-41977AD35B3D}" type="datetimeFigureOut">
               <a:rPr lang="ru-RU" smtClean="0"/>
-              <a:t>29.05.2025</a:t>
+              <a:t>30.05.2025</a:t>
             </a:fld>
             <a:endParaRPr lang="ru-RU"/>
           </a:p>
@@ -990,7 +990,7 @@
           <a:p>
             <a:fld id="{B4C71EC6-210F-42DE-9C53-41977AD35B3D}" type="datetimeFigureOut">
               <a:rPr lang="ru-RU" smtClean="0"/>
-              <a:t>29.05.2025</a:t>
+              <a:t>30.05.2025</a:t>
             </a:fld>
             <a:endParaRPr lang="ru-RU"/>
           </a:p>
@@ -1165,7 +1165,7 @@
           <a:p>
             <a:fld id="{B4C71EC6-210F-42DE-9C53-41977AD35B3D}" type="datetimeFigureOut">
               <a:rPr lang="ru-RU" smtClean="0"/>
-              <a:t>29.05.2025</a:t>
+              <a:t>30.05.2025</a:t>
             </a:fld>
             <a:endParaRPr lang="ru-RU"/>
           </a:p>
@@ -1330,7 +1330,7 @@
           <a:p>
             <a:fld id="{B4C71EC6-210F-42DE-9C53-41977AD35B3D}" type="datetimeFigureOut">
               <a:rPr lang="ru-RU" smtClean="0"/>
-              <a:t>29.05.2025</a:t>
+              <a:t>30.05.2025</a:t>
             </a:fld>
             <a:endParaRPr lang="ru-RU"/>
           </a:p>
@@ -1571,7 +1571,7 @@
           <a:p>
             <a:fld id="{B4C71EC6-210F-42DE-9C53-41977AD35B3D}" type="datetimeFigureOut">
               <a:rPr lang="ru-RU" smtClean="0"/>
-              <a:t>29.05.2025</a:t>
+              <a:t>30.05.2025</a:t>
             </a:fld>
             <a:endParaRPr lang="ru-RU"/>
           </a:p>
@@ -1854,7 +1854,7 @@
           <a:p>
             <a:fld id="{B4C71EC6-210F-42DE-9C53-41977AD35B3D}" type="datetimeFigureOut">
               <a:rPr lang="ru-RU" smtClean="0"/>
-              <a:t>29.05.2025</a:t>
+              <a:t>30.05.2025</a:t>
             </a:fld>
             <a:endParaRPr lang="ru-RU"/>
           </a:p>
@@ -2271,7 +2271,7 @@
           <a:p>
             <a:fld id="{B4C71EC6-210F-42DE-9C53-41977AD35B3D}" type="datetimeFigureOut">
               <a:rPr lang="ru-RU" smtClean="0"/>
-              <a:t>29.05.2025</a:t>
+              <a:t>30.05.2025</a:t>
             </a:fld>
             <a:endParaRPr lang="ru-RU"/>
           </a:p>
@@ -2384,7 +2384,7 @@
           <a:p>
             <a:fld id="{B4C71EC6-210F-42DE-9C53-41977AD35B3D}" type="datetimeFigureOut">
               <a:rPr lang="ru-RU" smtClean="0"/>
-              <a:t>29.05.2025</a:t>
+              <a:t>30.05.2025</a:t>
             </a:fld>
             <a:endParaRPr lang="ru-RU"/>
           </a:p>
@@ -2474,7 +2474,7 @@
           <a:p>
             <a:fld id="{B4C71EC6-210F-42DE-9C53-41977AD35B3D}" type="datetimeFigureOut">
               <a:rPr lang="ru-RU" smtClean="0"/>
-              <a:t>29.05.2025</a:t>
+              <a:t>30.05.2025</a:t>
             </a:fld>
             <a:endParaRPr lang="ru-RU"/>
           </a:p>
@@ -2746,7 +2746,7 @@
           <a:p>
             <a:fld id="{B4C71EC6-210F-42DE-9C53-41977AD35B3D}" type="datetimeFigureOut">
               <a:rPr lang="ru-RU" smtClean="0"/>
-              <a:t>29.05.2025</a:t>
+              <a:t>30.05.2025</a:t>
             </a:fld>
             <a:endParaRPr lang="ru-RU"/>
           </a:p>
@@ -2998,7 +2998,7 @@
           <a:p>
             <a:fld id="{B4C71EC6-210F-42DE-9C53-41977AD35B3D}" type="datetimeFigureOut">
               <a:rPr lang="ru-RU" smtClean="0"/>
-              <a:t>29.05.2025</a:t>
+              <a:t>30.05.2025</a:t>
             </a:fld>
             <a:endParaRPr lang="ru-RU"/>
           </a:p>
@@ -3204,7 +3204,7 @@
           <a:p>
             <a:fld id="{B4C71EC6-210F-42DE-9C53-41977AD35B3D}" type="datetimeFigureOut">
               <a:rPr lang="ru-RU" smtClean="0"/>
-              <a:t>29.05.2025</a:t>
+              <a:t>30.05.2025</a:t>
             </a:fld>
             <a:endParaRPr lang="ru-RU"/>
           </a:p>
@@ -3767,7 +3767,7 @@
                 <a:gridCol w="3597621">
                   <a:extLst>
                     <a:ext uri="{9D8B030D-6E8A-4147-A177-3AD203B41FA5}">
-                      <a16:colId xmlns="" xmlns:a16="http://schemas.microsoft.com/office/drawing/2014/main" val="20000"/>
+                      <a16:colId xmlns:a16="http://schemas.microsoft.com/office/drawing/2014/main" xmlns="" val="20000"/>
                     </a:ext>
                   </a:extLst>
                 </a:gridCol>
@@ -3833,7 +3833,7 @@
                 </a:tc>
                 <a:extLst>
                   <a:ext uri="{0D108BD9-81ED-4DB2-BD59-A6C34878D82A}">
-                    <a16:rowId xmlns="" xmlns:a16="http://schemas.microsoft.com/office/drawing/2014/main" val="10001"/>
+                    <a16:rowId xmlns:a16="http://schemas.microsoft.com/office/drawing/2014/main" xmlns="" val="10001"/>
                   </a:ext>
                 </a:extLst>
               </a:tr>
@@ -3908,7 +3908,7 @@
                 </a:tc>
                 <a:extLst>
                   <a:ext uri="{0D108BD9-81ED-4DB2-BD59-A6C34878D82A}">
-                    <a16:rowId xmlns="" xmlns:a16="http://schemas.microsoft.com/office/drawing/2014/main" val="10002"/>
+                    <a16:rowId xmlns:a16="http://schemas.microsoft.com/office/drawing/2014/main" xmlns="" val="10002"/>
                   </a:ext>
                 </a:extLst>
               </a:tr>
@@ -4935,6 +4935,13 @@
   <p:clrMapOvr>
     <a:masterClrMapping/>
   </p:clrMapOvr>
+  <p:timing>
+    <p:tnLst>
+      <p:par>
+        <p:cTn id="1" dur="indefinite" restart="never" nodeType="tmRoot"/>
+      </p:par>
+    </p:tnLst>
+  </p:timing>
 </p:sld>
 </file>
 
@@ -5100,6 +5107,13 @@
   <p:clrMapOvr>
     <a:masterClrMapping/>
   </p:clrMapOvr>
+  <p:timing>
+    <p:tnLst>
+      <p:par>
+        <p:cTn id="1" dur="indefinite" restart="never" nodeType="tmRoot"/>
+      </p:par>
+    </p:tnLst>
+  </p:timing>
 </p:sld>
 </file>
 
@@ -5265,6 +5279,13 @@
   <p:clrMapOvr>
     <a:masterClrMapping/>
   </p:clrMapOvr>
+  <p:timing>
+    <p:tnLst>
+      <p:par>
+        <p:cTn id="1" dur="indefinite" restart="never" nodeType="tmRoot"/>
+      </p:par>
+    </p:tnLst>
+  </p:timing>
 </p:sld>
 </file>
 
@@ -5381,14 +5402,14 @@
       </p:sp>
       <p:sp>
         <p:nvSpPr>
-          <p:cNvPr id="2" name="TextBox 1"/>
+          <p:cNvPr id="7" name="TextBox 6"/>
           <p:cNvSpPr txBox="1"/>
           <p:nvPr/>
         </p:nvSpPr>
         <p:spPr>
           <a:xfrm>
-            <a:off x="971600" y="2095489"/>
-            <a:ext cx="3600400" cy="1384995"/>
+            <a:off x="3057929" y="4362400"/>
+            <a:ext cx="3608488" cy="369332"/>
           </a:xfrm>
           <a:prstGeom prst="rect">
             <a:avLst/>
@@ -5396,51 +5417,50 @@
           <a:noFill/>
         </p:spPr>
         <p:txBody>
-          <a:bodyPr wrap="square" rtlCol="0">
+          <a:bodyPr wrap="none" rtlCol="0">
             <a:spAutoFit/>
           </a:bodyPr>
           <a:lstStyle/>
           <a:p>
             <a:pPr algn="ctr"/>
             <a:r>
-              <a:rPr lang="ru-RU" sz="2800" dirty="0" smtClean="0"/>
-              <a:t>Ручное тестирование игровых механик и интерфейса</a:t>
-            </a:r>
-            <a:endParaRPr lang="ru-RU" sz="2800" dirty="0"/>
-          </a:p>
-        </p:txBody>
-      </p:sp>
-      <p:sp>
-        <p:nvSpPr>
-          <p:cNvPr id="3" name="TextBox 2"/>
-          <p:cNvSpPr txBox="1"/>
+              <a:rPr lang="ru-RU" dirty="0" smtClean="0"/>
+              <a:t>Ручное тестирование интерфейса</a:t>
+            </a:r>
+            <a:endParaRPr lang="ru-RU" dirty="0"/>
+          </a:p>
+        </p:txBody>
+      </p:sp>
+      <p:pic>
+        <p:nvPicPr>
+          <p:cNvPr id="9" name="Рисунок 8"/>
+          <p:cNvPicPr>
+            <a:picLocks noChangeAspect="1"/>
+          </p:cNvPicPr>
           <p:nvPr/>
-        </p:nvSpPr>
+        </p:nvPicPr>
+        <p:blipFill>
+          <a:blip r:embed="rId3">
+            <a:extLst>
+              <a:ext uri="{28A0092B-C50C-407E-A947-70E740481C1C}">
+                <a14:useLocalDpi xmlns:a14="http://schemas.microsoft.com/office/drawing/2010/main" val="0"/>
+              </a:ext>
+            </a:extLst>
+          </a:blip>
+          <a:stretch>
+            <a:fillRect/>
+          </a:stretch>
+        </p:blipFill>
         <p:spPr>
           <a:xfrm>
-            <a:off x="4860032" y="1880046"/>
-            <a:ext cx="4084984" cy="1815882"/>
+            <a:off x="2077078" y="1059582"/>
+            <a:ext cx="5570190" cy="2925128"/>
           </a:xfrm>
           <a:prstGeom prst="rect">
             <a:avLst/>
           </a:prstGeom>
-          <a:noFill/>
-        </p:spPr>
-        <p:txBody>
-          <a:bodyPr wrap="square" rtlCol="0">
-            <a:spAutoFit/>
-          </a:bodyPr>
-          <a:lstStyle/>
-          <a:p>
-            <a:pPr algn="ctr"/>
-            <a:r>
-              <a:rPr lang="ru-RU" sz="2800" dirty="0" smtClean="0"/>
-              <a:t>Автоматическое тестирование компонентов игровой системы</a:t>
-            </a:r>
-            <a:endParaRPr lang="ru-RU" sz="2800" dirty="0"/>
-          </a:p>
-        </p:txBody>
-      </p:sp>
+        </p:spPr>
+      </p:pic>
     </p:spTree>
     <p:extLst>
       <p:ext uri="{BB962C8B-B14F-4D97-AF65-F5344CB8AC3E}">
@@ -5451,6 +5471,13 @@
   <p:clrMapOvr>
     <a:masterClrMapping/>
   </p:clrMapOvr>
+  <p:timing>
+    <p:tnLst>
+      <p:par>
+        <p:cTn id="1" dur="indefinite" restart="never" nodeType="tmRoot"/>
+      </p:par>
+    </p:tnLst>
+  </p:timing>
 </p:sld>
 </file>
 
@@ -5575,6 +5602,13 @@
   <p:clrMapOvr>
     <a:masterClrMapping/>
   </p:clrMapOvr>
+  <p:timing>
+    <p:tnLst>
+      <p:par>
+        <p:cTn id="1" dur="indefinite" restart="never" nodeType="tmRoot"/>
+      </p:par>
+    </p:tnLst>
+  </p:timing>
 </p:sld>
 </file>
 
@@ -5735,6 +5769,13 @@
   <p:clrMapOvr>
     <a:masterClrMapping/>
   </p:clrMapOvr>
+  <p:timing>
+    <p:tnLst>
+      <p:par>
+        <p:cTn id="1" dur="indefinite" restart="never" nodeType="tmRoot"/>
+      </p:par>
+    </p:tnLst>
+  </p:timing>
 </p:sld>
 </file>
 
@@ -6020,7 +6061,7 @@
   <a:extraClrSchemeLst/>
   <a:extLst>
     <a:ext uri="{05A4C25C-085E-4340-85A3-A5531E510DB2}">
-      <thm15:themeFamily xmlns:thm15="http://schemas.microsoft.com/office/thememl/2012/main" xmlns="" name="Office Theme" id="{62F939B6-93AF-4DB8-9C6B-D6C7DFDC589F}" vid="{4A3C46E8-61CC-4603-A589-7422A47A8E4A}"/>
+      <thm15:themeFamily xmlns="" xmlns:thm15="http://schemas.microsoft.com/office/thememl/2012/main" name="Office Theme" id="{62F939B6-93AF-4DB8-9C6B-D6C7DFDC589F}" vid="{4A3C46E8-61CC-4603-A589-7422A47A8E4A}"/>
     </a:ext>
   </a:extLst>
 </a:theme>
@@ -6310,7 +6351,7 @@
   <a:extraClrSchemeLst/>
   <a:extLst>
     <a:ext uri="{05A4C25C-085E-4340-85A3-A5531E510DB2}">
-      <thm15:themeFamily xmlns="" xmlns:thm15="http://schemas.microsoft.com/office/thememl/2012/main" name="Office Theme" id="{62F939B6-93AF-4DB8-9C6B-D6C7DFDC589F}" vid="{4A3C46E8-61CC-4603-A589-7422A47A8E4A}"/>
+      <thm15:themeFamily xmlns:thm15="http://schemas.microsoft.com/office/thememl/2012/main" xmlns="" name="Office Theme" id="{62F939B6-93AF-4DB8-9C6B-D6C7DFDC589F}" vid="{4A3C46E8-61CC-4603-A589-7422A47A8E4A}"/>
     </a:ext>
   </a:extLst>
 </a:theme>
